--- a/一个基于手势识别的图像浏览器.pptx
+++ b/一个基于手势识别的图像浏览器.pptx
@@ -26979,56 +26979,6 @@
           </a:p>
         </p:txBody>
       </p:sp>
-      <p:sp>
-        <p:nvSpPr>
-          <p:cNvPr id="5" name="文本占位符 4">
-            <a:extLst>
-              <a:ext uri="{FF2B5EF4-FFF2-40B4-BE49-F238E27FC236}">
-                <a16:creationId xmlns:a16="http://schemas.microsoft.com/office/drawing/2014/main" id="{A8897A6A-6920-9920-FE1C-82DA9ADF01F6}"/>
-              </a:ext>
-            </a:extLst>
-          </p:cNvPr>
-          <p:cNvSpPr>
-            <a:spLocks noGrp="1"/>
-          </p:cNvSpPr>
-          <p:nvPr>
-            <p:ph type="body" sz="quarter" idx="12"/>
-          </p:nvPr>
-        </p:nvSpPr>
-        <p:spPr/>
-        <p:txBody>
-          <a:bodyPr/>
-          <a:lstStyle/>
-          <a:p>
-            <a:endParaRPr lang="zh-CN" altLang="en-US" dirty="0"/>
-          </a:p>
-        </p:txBody>
-      </p:sp>
-      <p:sp>
-        <p:nvSpPr>
-          <p:cNvPr id="7" name="文本占位符 6">
-            <a:extLst>
-              <a:ext uri="{FF2B5EF4-FFF2-40B4-BE49-F238E27FC236}">
-                <a16:creationId xmlns:a16="http://schemas.microsoft.com/office/drawing/2014/main" id="{77E9A995-FAF5-AC48-57F0-E3083F30C786}"/>
-              </a:ext>
-            </a:extLst>
-          </p:cNvPr>
-          <p:cNvSpPr>
-            <a:spLocks noGrp="1"/>
-          </p:cNvSpPr>
-          <p:nvPr>
-            <p:ph type="body" sz="quarter" idx="13"/>
-          </p:nvPr>
-        </p:nvSpPr>
-        <p:spPr/>
-        <p:txBody>
-          <a:bodyPr/>
-          <a:lstStyle/>
-          <a:p>
-            <a:endParaRPr lang="zh-CN" altLang="en-US"/>
-          </a:p>
-        </p:txBody>
-      </p:sp>
     </p:spTree>
     <p:extLst>
       <p:ext uri="{BB962C8B-B14F-4D97-AF65-F5344CB8AC3E}">

--- a/一个基于手势识别的图像浏览器.pptx
+++ b/一个基于手势识别的图像浏览器.pptx
@@ -17,17 +17,19 @@
     <p:sldId id="304" r:id="rId10"/>
     <p:sldId id="305" r:id="rId11"/>
     <p:sldId id="306" r:id="rId12"/>
-    <p:sldId id="296" r:id="rId13"/>
-    <p:sldId id="294" r:id="rId14"/>
-    <p:sldId id="264" r:id="rId15"/>
-    <p:sldId id="295" r:id="rId16"/>
-    <p:sldId id="286" r:id="rId17"/>
-    <p:sldId id="289" r:id="rId18"/>
+    <p:sldId id="313" r:id="rId13"/>
+    <p:sldId id="314" r:id="rId14"/>
+    <p:sldId id="296" r:id="rId15"/>
+    <p:sldId id="294" r:id="rId16"/>
+    <p:sldId id="264" r:id="rId17"/>
+    <p:sldId id="295" r:id="rId18"/>
+    <p:sldId id="286" r:id="rId19"/>
+    <p:sldId id="289" r:id="rId20"/>
   </p:sldIdLst>
   <p:sldSz cx="12192000" cy="6858000"/>
   <p:notesSz cx="6858000" cy="9144000"/>
   <p:custDataLst>
-    <p:tags r:id="rId23"/>
+    <p:tags r:id="rId25"/>
   </p:custDataLst>
   <p:defaultTextStyle>
     <a:defPPr>
@@ -20618,7 +20620,7 @@
       </p:grpSpPr>
       <p:sp>
         <p:nvSpPr>
-          <p:cNvPr id="14" name="文本占位符 13"/>
+          <p:cNvPr id="2" name="文本占位符 1"/>
           <p:cNvSpPr>
             <a:spLocks noGrp="1"/>
           </p:cNvSpPr>
@@ -20637,8 +20639,379 @@
           <a:lstStyle/>
           <a:p>
             <a:r>
-              <a:rPr lang="zh-CN" altLang="en-US" dirty="0"/>
-              <a:t>项目介绍</a:t>
+              <a:rPr lang="zh-CN" altLang="en-US">
+                <a:latin typeface="+mj-ea"/>
+                <a:ea typeface="+mj-ea"/>
+              </a:rPr>
+              <a:t>界面设计</a:t>
+            </a:r>
+            <a:endParaRPr lang="zh-CN" altLang="en-US" dirty="0">
+              <a:latin typeface="+mj-ea"/>
+              <a:ea typeface="+mj-ea"/>
+            </a:endParaRPr>
+          </a:p>
+        </p:txBody>
+      </p:sp>
+      <p:sp>
+        <p:nvSpPr>
+          <p:cNvPr id="46" name="任意多边形: 形状 45"/>
+          <p:cNvSpPr/>
+          <p:nvPr/>
+        </p:nvSpPr>
+        <p:spPr>
+          <a:xfrm>
+            <a:off x="-3062941" y="-3261315"/>
+            <a:ext cx="9525" cy="9525"/>
+          </a:xfrm>
+          <a:custGeom>
+            <a:avLst/>
+            <a:gdLst/>
+            <a:ahLst/>
+            <a:cxnLst/>
+            <a:rect l="l" t="t" r="r" b="b"/>
+            <a:pathLst>
+              <a:path w="9525" h="9525"/>
+            </a:pathLst>
+          </a:custGeom>
+          <a:solidFill>
+            <a:srgbClr val="4C4CBF"/>
+          </a:solidFill>
+          <a:ln w="9525" cap="flat">
+            <a:noFill/>
+            <a:prstDash val="solid"/>
+            <a:miter/>
+          </a:ln>
+        </p:spPr>
+        <p:txBody>
+          <a:bodyPr rtlCol="0" anchor="ctr"/>
+          <a:lstStyle/>
+          <a:p>
+            <a:endParaRPr lang="zh-CN" altLang="en-US"/>
+          </a:p>
+        </p:txBody>
+      </p:sp>
+      <p:pic>
+        <p:nvPicPr>
+          <p:cNvPr id="41" name="图片 40"/>
+          <p:cNvPicPr>
+            <a:picLocks noChangeAspect="1"/>
+          </p:cNvPicPr>
+          <p:nvPr/>
+        </p:nvPicPr>
+        <p:blipFill>
+          <a:blip r:embed="rId1"/>
+          <a:stretch>
+            <a:fillRect/>
+          </a:stretch>
+        </p:blipFill>
+        <p:spPr>
+          <a:xfrm>
+            <a:off x="608607" y="1570615"/>
+            <a:ext cx="7588944" cy="4464425"/>
+          </a:xfrm>
+          <a:prstGeom prst="rect">
+            <a:avLst/>
+          </a:prstGeom>
+        </p:spPr>
+      </p:pic>
+      <p:sp>
+        <p:nvSpPr>
+          <p:cNvPr id="45" name="矩形 44"/>
+          <p:cNvSpPr/>
+          <p:nvPr/>
+        </p:nvSpPr>
+        <p:spPr>
+          <a:xfrm>
+            <a:off x="8197551" y="2502055"/>
+            <a:ext cx="3178887" cy="2308324"/>
+          </a:xfrm>
+          <a:prstGeom prst="rect">
+            <a:avLst/>
+          </a:prstGeom>
+        </p:spPr>
+        <p:txBody>
+          <a:bodyPr wrap="square">
+            <a:spAutoFit/>
+          </a:bodyPr>
+          <a:lstStyle/>
+          <a:p>
+            <a:r>
+              <a:rPr lang="zh-CN" altLang="en-US">
+                <a:solidFill>
+                  <a:srgbClr val="374151"/>
+                </a:solidFill>
+                <a:latin typeface="Söhne"/>
+              </a:rPr>
+              <a:t>我们为用户提供了一些初始图片用于浏览，用户也可以根据个人喜好导入自己的图片，其中，打开文件夹可以选择本地的一个文件夹中的图片加载到程序中进行浏览，而导入图片则可以把一张图片保存到程序中使得下次浏览时保存该图片。</a:t>
+            </a:r>
+            <a:endParaRPr lang="zh-CN" altLang="en-US"/>
+          </a:p>
+        </p:txBody>
+      </p:sp>
+    </p:spTree>
+  </p:cSld>
+  <p:clrMapOvr>
+    <a:masterClrMapping/>
+  </p:clrMapOvr>
+</p:sld>
+</file>
+
+<file path=ppt/slides/slide11.xml><?xml version="1.0" encoding="utf-8"?>
+<p:sld xmlns:a="http://schemas.openxmlformats.org/drawingml/2006/main" xmlns:r="http://schemas.openxmlformats.org/officeDocument/2006/relationships" xmlns:p="http://schemas.openxmlformats.org/presentationml/2006/main">
+  <p:cSld>
+    <p:spTree>
+      <p:nvGrpSpPr>
+        <p:cNvPr id="1" name=""/>
+        <p:cNvGrpSpPr/>
+        <p:nvPr/>
+      </p:nvGrpSpPr>
+      <p:grpSpPr>
+        <a:xfrm>
+          <a:off x="0" y="0"/>
+          <a:ext cx="0" cy="0"/>
+          <a:chOff x="0" y="0"/>
+          <a:chExt cx="0" cy="0"/>
+        </a:xfrm>
+      </p:grpSpPr>
+      <p:sp>
+        <p:nvSpPr>
+          <p:cNvPr id="2" name="文本占位符 1"/>
+          <p:cNvSpPr>
+            <a:spLocks noGrp="1"/>
+          </p:cNvSpPr>
+          <p:nvPr>
+            <p:ph type="body" sz="quarter" idx="10"/>
+          </p:nvPr>
+        </p:nvSpPr>
+        <p:spPr>
+          <a:xfrm>
+            <a:off x="891368" y="970178"/>
+            <a:ext cx="1583948" cy="424732"/>
+          </a:xfrm>
+        </p:spPr>
+        <p:txBody>
+          <a:bodyPr/>
+          <a:lstStyle/>
+          <a:p>
+            <a:r>
+              <a:rPr lang="zh-CN" altLang="en-US">
+                <a:latin typeface="+mj-ea"/>
+                <a:ea typeface="+mj-ea"/>
+              </a:rPr>
+              <a:t>界面设计</a:t>
+            </a:r>
+            <a:endParaRPr lang="zh-CN" altLang="en-US" dirty="0">
+              <a:latin typeface="+mj-ea"/>
+              <a:ea typeface="+mj-ea"/>
+            </a:endParaRPr>
+          </a:p>
+        </p:txBody>
+      </p:sp>
+      <p:sp>
+        <p:nvSpPr>
+          <p:cNvPr id="46" name="任意多边形: 形状 45"/>
+          <p:cNvSpPr/>
+          <p:nvPr/>
+        </p:nvSpPr>
+        <p:spPr>
+          <a:xfrm>
+            <a:off x="-3062941" y="-3261315"/>
+            <a:ext cx="9525" cy="9525"/>
+          </a:xfrm>
+          <a:custGeom>
+            <a:avLst/>
+            <a:gdLst/>
+            <a:ahLst/>
+            <a:cxnLst/>
+            <a:rect l="l" t="t" r="r" b="b"/>
+            <a:pathLst>
+              <a:path w="9525" h="9525"/>
+            </a:pathLst>
+          </a:custGeom>
+          <a:solidFill>
+            <a:srgbClr val="4C4CBF"/>
+          </a:solidFill>
+          <a:ln w="9525" cap="flat">
+            <a:noFill/>
+            <a:prstDash val="solid"/>
+            <a:miter/>
+          </a:ln>
+        </p:spPr>
+        <p:txBody>
+          <a:bodyPr rtlCol="0" anchor="ctr"/>
+          <a:lstStyle/>
+          <a:p>
+            <a:endParaRPr lang="zh-CN" altLang="en-US"/>
+          </a:p>
+        </p:txBody>
+      </p:sp>
+      <p:pic>
+        <p:nvPicPr>
+          <p:cNvPr id="42" name="图片 41"/>
+          <p:cNvPicPr>
+            <a:picLocks noChangeAspect="1"/>
+          </p:cNvPicPr>
+          <p:nvPr/>
+        </p:nvPicPr>
+        <p:blipFill>
+          <a:blip r:embed="rId1"/>
+          <a:stretch>
+            <a:fillRect/>
+          </a:stretch>
+        </p:blipFill>
+        <p:spPr>
+          <a:xfrm>
+            <a:off x="798507" y="1554989"/>
+            <a:ext cx="5871234" cy="3452295"/>
+          </a:xfrm>
+          <a:prstGeom prst="rect">
+            <a:avLst/>
+          </a:prstGeom>
+        </p:spPr>
+      </p:pic>
+      <p:sp>
+        <p:nvSpPr>
+          <p:cNvPr id="7" name="矩形 6"/>
+          <p:cNvSpPr/>
+          <p:nvPr/>
+        </p:nvSpPr>
+        <p:spPr>
+          <a:xfrm>
+            <a:off x="1280384" y="5303011"/>
+            <a:ext cx="3178887" cy="923330"/>
+          </a:xfrm>
+          <a:prstGeom prst="rect">
+            <a:avLst/>
+          </a:prstGeom>
+        </p:spPr>
+        <p:txBody>
+          <a:bodyPr wrap="square">
+            <a:spAutoFit/>
+          </a:bodyPr>
+          <a:lstStyle/>
+          <a:p>
+            <a:r>
+              <a:rPr lang="zh-CN" altLang="en-US">
+                <a:solidFill>
+                  <a:srgbClr val="374151"/>
+                </a:solidFill>
+                <a:latin typeface="Söhne"/>
+              </a:rPr>
+              <a:t>为了使整个页面更加简洁，用户可以选择将图片预览部分和摄像头视图隐藏</a:t>
+            </a:r>
+            <a:endParaRPr lang="zh-CN" altLang="en-US"/>
+          </a:p>
+        </p:txBody>
+      </p:sp>
+      <p:pic>
+        <p:nvPicPr>
+          <p:cNvPr id="5" name="图片 4"/>
+          <p:cNvPicPr>
+            <a:picLocks noChangeAspect="1"/>
+          </p:cNvPicPr>
+          <p:nvPr/>
+        </p:nvPicPr>
+        <p:blipFill>
+          <a:blip r:embed="rId2"/>
+          <a:stretch>
+            <a:fillRect/>
+          </a:stretch>
+        </p:blipFill>
+        <p:spPr>
+          <a:xfrm>
+            <a:off x="7761139" y="1554989"/>
+            <a:ext cx="2200442" cy="3197114"/>
+          </a:xfrm>
+          <a:prstGeom prst="rect">
+            <a:avLst/>
+          </a:prstGeom>
+        </p:spPr>
+      </p:pic>
+      <p:sp>
+        <p:nvSpPr>
+          <p:cNvPr id="10" name="矩形 9"/>
+          <p:cNvSpPr/>
+          <p:nvPr/>
+        </p:nvSpPr>
+        <p:spPr>
+          <a:xfrm>
+            <a:off x="7091307" y="5303011"/>
+            <a:ext cx="3178887" cy="923330"/>
+          </a:xfrm>
+          <a:prstGeom prst="rect">
+            <a:avLst/>
+          </a:prstGeom>
+        </p:spPr>
+        <p:txBody>
+          <a:bodyPr wrap="square">
+            <a:spAutoFit/>
+          </a:bodyPr>
+          <a:lstStyle/>
+          <a:p>
+            <a:r>
+              <a:rPr lang="zh-CN" altLang="en-US">
+                <a:solidFill>
+                  <a:srgbClr val="374151"/>
+                </a:solidFill>
+                <a:latin typeface="Söhne"/>
+              </a:rPr>
+              <a:t>为图片点赞后，图片的字体颜色会被标红突出显示，取消点赞则会使它还原为黑色</a:t>
+            </a:r>
+            <a:endParaRPr lang="zh-CN" altLang="en-US"/>
+          </a:p>
+        </p:txBody>
+      </p:sp>
+    </p:spTree>
+  </p:cSld>
+  <p:clrMapOvr>
+    <a:masterClrMapping/>
+  </p:clrMapOvr>
+</p:sld>
+</file>
+
+<file path=ppt/slides/slide12.xml><?xml version="1.0" encoding="utf-8"?>
+<p:sld xmlns:a="http://schemas.openxmlformats.org/drawingml/2006/main" xmlns:r="http://schemas.openxmlformats.org/officeDocument/2006/relationships" xmlns:p="http://schemas.openxmlformats.org/presentationml/2006/main">
+  <p:cSld>
+    <p:spTree>
+      <p:nvGrpSpPr>
+        <p:cNvPr id="1" name=""/>
+        <p:cNvGrpSpPr/>
+        <p:nvPr/>
+      </p:nvGrpSpPr>
+      <p:grpSpPr>
+        <a:xfrm>
+          <a:off x="0" y="0"/>
+          <a:ext cx="0" cy="0"/>
+          <a:chOff x="0" y="0"/>
+          <a:chExt cx="0" cy="0"/>
+        </a:xfrm>
+      </p:grpSpPr>
+      <p:sp>
+        <p:nvSpPr>
+          <p:cNvPr id="14" name="文本占位符 13"/>
+          <p:cNvSpPr>
+            <a:spLocks noGrp="1"/>
+          </p:cNvSpPr>
+          <p:nvPr>
+            <p:ph type="body" sz="quarter" idx="10"/>
+          </p:nvPr>
+        </p:nvSpPr>
+        <p:spPr>
+          <a:xfrm>
+            <a:off x="891368" y="970178"/>
+            <a:ext cx="1583948" cy="423545"/>
+          </a:xfrm>
+        </p:spPr>
+        <p:txBody>
+          <a:bodyPr/>
+          <a:lstStyle/>
+          <a:p>
+            <a:r>
+              <a:rPr lang="zh-CN" altLang="en-US" dirty="0">
+                <a:latin typeface="+mj-ea"/>
+                <a:ea typeface="+mj-ea"/>
+              </a:rPr>
+              <a:t>运行方法</a:t>
             </a:r>
             <a:endParaRPr lang="zh-CN" altLang="en-US" dirty="0">
               <a:latin typeface="+mj-ea"/>
@@ -21196,7 +21569,7 @@
 </p:sld>
 </file>
 
-<file path=ppt/slides/slide11.xml><?xml version="1.0" encoding="utf-8"?>
+<file path=ppt/slides/slide13.xml><?xml version="1.0" encoding="utf-8"?>
 <p:sld xmlns:a="http://schemas.openxmlformats.org/drawingml/2006/main" xmlns:r="http://schemas.openxmlformats.org/officeDocument/2006/relationships" xmlns:p="http://schemas.openxmlformats.org/presentationml/2006/main">
   <p:cSld>
     <p:spTree>
@@ -21267,7 +21640,7 @@
 </p:sld>
 </file>
 
-<file path=ppt/slides/slide12.xml><?xml version="1.0" encoding="utf-8"?>
+<file path=ppt/slides/slide14.xml><?xml version="1.0" encoding="utf-8"?>
 <p:sld xmlns:a="http://schemas.openxmlformats.org/drawingml/2006/main" xmlns:r="http://schemas.openxmlformats.org/officeDocument/2006/relationships" xmlns:p="http://schemas.openxmlformats.org/presentationml/2006/main">
   <p:cSld>
     <p:spTree>
@@ -39657,7 +40030,7 @@
 </p:sld>
 </file>
 
-<file path=ppt/slides/slide13.xml><?xml version="1.0" encoding="utf-8"?>
+<file path=ppt/slides/slide15.xml><?xml version="1.0" encoding="utf-8"?>
 <p:sld xmlns:a="http://schemas.openxmlformats.org/drawingml/2006/main" xmlns:r="http://schemas.openxmlformats.org/officeDocument/2006/relationships" xmlns:p="http://schemas.openxmlformats.org/presentationml/2006/main">
   <p:cSld>
     <p:spTree>
@@ -39728,7 +40101,7 @@
 </p:sld>
 </file>
 
-<file path=ppt/slides/slide14.xml><?xml version="1.0" encoding="utf-8"?>
+<file path=ppt/slides/slide16.xml><?xml version="1.0" encoding="utf-8"?>
 <p:sld xmlns:a="http://schemas.openxmlformats.org/drawingml/2006/main" xmlns:r="http://schemas.openxmlformats.org/officeDocument/2006/relationships" xmlns:p="http://schemas.openxmlformats.org/presentationml/2006/main">
   <p:cSld>
     <p:spTree>
@@ -44505,7 +44878,7 @@
 </p:sld>
 </file>
 
-<file path=ppt/slides/slide15.xml><?xml version="1.0" encoding="utf-8"?>
+<file path=ppt/slides/slide17.xml><?xml version="1.0" encoding="utf-8"?>
 <p:sld xmlns:a="http://schemas.openxmlformats.org/drawingml/2006/main" xmlns:r="http://schemas.openxmlformats.org/officeDocument/2006/relationships" xmlns:p="http://schemas.openxmlformats.org/presentationml/2006/main">
   <p:cSld>
     <p:spTree>
